--- a/Project 1_Where to Build.pptx
+++ b/Project 1_Where to Build.pptx
@@ -225,7 +225,7 @@
           <a:effectLst/>
           <a:extLst>
             <a:ext uri="{91240B29-F687-4f45-9708-019B960494DF}">
-              <a14:hiddenLine xmlns="" xmlns:a14="http://schemas.microsoft.com/office/drawing/2010/main" w="9525">
+              <a14:hiddenLine xmlns:a14="http://schemas.microsoft.com/office/drawing/2010/main" xmlns="" w="9525">
                 <a:solidFill>
                   <a:srgbClr val="000000"/>
                 </a:solidFill>
@@ -1735,7 +1735,7 @@
           <a:ln/>
           <a:extLst>
             <a:ext uri="{91240B29-F687-4f45-9708-019B960494DF}">
-              <a14:hiddenLine xmlns="" xmlns:a14="http://schemas.microsoft.com/office/drawing/2010/main" w="9525">
+              <a14:hiddenLine xmlns:a14="http://schemas.microsoft.com/office/drawing/2010/main" xmlns="" w="9525">
                 <a:solidFill>
                   <a:srgbClr val="000000"/>
                 </a:solidFill>
@@ -2007,7 +2007,7 @@
           <a:ln/>
           <a:extLst>
             <a:ext uri="{91240B29-F687-4f45-9708-019B960494DF}">
-              <a14:hiddenLine xmlns="" xmlns:a14="http://schemas.microsoft.com/office/drawing/2010/main" w="9525">
+              <a14:hiddenLine xmlns:a14="http://schemas.microsoft.com/office/drawing/2010/main" xmlns="" w="9525">
                 <a:solidFill>
                   <a:srgbClr val="000000"/>
                 </a:solidFill>
@@ -2287,7 +2287,7 @@
           <a:ln/>
           <a:extLst>
             <a:ext uri="{91240B29-F687-4f45-9708-019B960494DF}">
-              <a14:hiddenLine xmlns="" xmlns:a14="http://schemas.microsoft.com/office/drawing/2010/main" w="9525">
+              <a14:hiddenLine xmlns:a14="http://schemas.microsoft.com/office/drawing/2010/main" xmlns="" w="9525">
                 <a:solidFill>
                   <a:srgbClr val="000000"/>
                 </a:solidFill>
@@ -2907,7 +2907,7 @@
           <a:ln/>
           <a:extLst>
             <a:ext uri="{91240B29-F687-4f45-9708-019B960494DF}">
-              <a14:hiddenLine xmlns="" xmlns:a14="http://schemas.microsoft.com/office/drawing/2010/main" w="9525">
+              <a14:hiddenLine xmlns:a14="http://schemas.microsoft.com/office/drawing/2010/main" xmlns="" w="9525">
                 <a:solidFill>
                   <a:srgbClr val="000000"/>
                 </a:solidFill>
@@ -3243,7 +3243,7 @@
           <a:ln/>
           <a:extLst>
             <a:ext uri="{91240B29-F687-4f45-9708-019B960494DF}">
-              <a14:hiddenLine xmlns="" xmlns:a14="http://schemas.microsoft.com/office/drawing/2010/main" w="9525">
+              <a14:hiddenLine xmlns:a14="http://schemas.microsoft.com/office/drawing/2010/main" xmlns="" w="9525">
                 <a:solidFill>
                   <a:srgbClr val="000000"/>
                 </a:solidFill>
@@ -3717,7 +3717,7 @@
           <a:ln/>
           <a:extLst>
             <a:ext uri="{91240B29-F687-4f45-9708-019B960494DF}">
-              <a14:hiddenLine xmlns="" xmlns:a14="http://schemas.microsoft.com/office/drawing/2010/main" w="9525">
+              <a14:hiddenLine xmlns:a14="http://schemas.microsoft.com/office/drawing/2010/main" xmlns="" w="9525">
                 <a:solidFill>
                   <a:srgbClr val="000000"/>
                 </a:solidFill>
@@ -4140,7 +4140,7 @@
           <a:ln/>
           <a:extLst>
             <a:ext uri="{91240B29-F687-4f45-9708-019B960494DF}">
-              <a14:hiddenLine xmlns="" xmlns:a14="http://schemas.microsoft.com/office/drawing/2010/main" w="9525">
+              <a14:hiddenLine xmlns:a14="http://schemas.microsoft.com/office/drawing/2010/main" xmlns="" w="9525">
                 <a:solidFill>
                   <a:srgbClr val="000000"/>
                 </a:solidFill>
@@ -5949,14 +5949,14 @@
             </a:br>
             <a:r>
               <a:rPr lang="en-US" sz="2800" dirty="0"/>
-              <a:t>Data Analysis: Bar chart Plot, </a:t>
+              <a:t>Data Analysis: Line chart, </a:t>
             </a:r>
             <a:br>
               <a:rPr lang="en-US" sz="2800" dirty="0"/>
             </a:br>
             <a:r>
               <a:rPr lang="en-US" sz="2800" dirty="0"/>
-              <a:t>Attractions: Location vs AVG Review Count</a:t>
+              <a:t>Hotel:  Cities vs AVG Price</a:t>
             </a:r>
             <a:endParaRPr lang="en-US" dirty="0"/>
           </a:p>
@@ -9492,6 +9492,18 @@
             <a:pPr lvl="1"/>
             <a:r>
               <a:rPr lang="en-US" dirty="0"/>
+              <a:t>Generated a line graph to determine total cost (hotel price vs city ) to determine which cities are </a:t>
+            </a:r>
+            <a:r>
+              <a:rPr lang="en-US"/>
+              <a:t>more expensive.</a:t>
+            </a:r>
+            <a:endParaRPr lang="en-US" dirty="0"/>
+          </a:p>
+          <a:p>
+            <a:pPr lvl="1"/>
+            <a:r>
+              <a:rPr lang="en-US" dirty="0"/>
               <a:t>Sub category East vs West Hotel Price Longitude </a:t>
             </a:r>
           </a:p>
@@ -9512,13 +9524,6 @@
             <a:r>
               <a:rPr lang="en-US" dirty="0"/>
               <a:t>Question three</a:t>
-            </a:r>
-          </a:p>
-          <a:p>
-            <a:pPr lvl="1"/>
-            <a:r>
-              <a:rPr lang="en-US" dirty="0"/>
-              <a:t>Generated a line graph to determine total cost (hotel and flights) to determine which cities are more expensive to travel to.</a:t>
             </a:r>
           </a:p>
           <a:p>

--- a/Project 1_Where to Build.pptx
+++ b/Project 1_Where to Build.pptx
@@ -5980,13 +5980,13 @@
         </p:nvSpPr>
         <p:spPr>
           <a:xfrm>
-            <a:off x="6198171" y="2038668"/>
-            <a:ext cx="4273550" cy="2560320"/>
+            <a:off x="1770252" y="2217344"/>
+            <a:ext cx="4273550" cy="1671484"/>
           </a:xfrm>
         </p:spPr>
         <p:txBody>
           <a:bodyPr>
-            <a:normAutofit fontScale="47500" lnSpcReduction="20000"/>
+            <a:normAutofit/>
           </a:bodyPr>
           <a:lstStyle/>
           <a:p>
@@ -5994,31 +5994,7 @@
               <a:buNone/>
             </a:pPr>
             <a:r>
-              <a:rPr lang="en-US" sz="3400" b="1" u="sng" dirty="0"/>
-              <a:t>Question: </a:t>
-            </a:r>
-          </a:p>
-          <a:p>
-            <a:pPr marL="0" indent="0">
-              <a:buNone/>
-            </a:pPr>
-            <a:r>
-              <a:rPr lang="en-US" sz="3400" dirty="0"/>
-              <a:t>What cities have the most popular activities based on reviews?</a:t>
-            </a:r>
-          </a:p>
-          <a:p>
-            <a:pPr marL="0" indent="0">
-              <a:buNone/>
-            </a:pPr>
-            <a:endParaRPr lang="en-US" sz="3400" b="1" u="sng" dirty="0"/>
-          </a:p>
-          <a:p>
-            <a:pPr marL="0" indent="0">
-              <a:buNone/>
-            </a:pPr>
-            <a:r>
-              <a:rPr lang="en-US" sz="3400" b="1" u="sng" dirty="0"/>
+              <a:rPr lang="en-US" sz="1600" b="1" u="sng" dirty="0"/>
               <a:t>Observation: </a:t>
             </a:r>
           </a:p>
@@ -6028,12 +6004,9 @@
               <a:buChar char="•"/>
             </a:pPr>
             <a:r>
-              <a:rPr lang="en-US" sz="3400" dirty="0"/>
-              <a:t>These six locations have been identified as the locations with higher reviews of their attractions.</a:t>
-            </a:r>
-          </a:p>
-          <a:p>
-            <a:endParaRPr lang="en-US" dirty="0"/>
+              <a:rPr lang="en-US" sz="1600" dirty="0"/>
+              <a:t>These six locations have been identified as the cities with the highest hotel rate.</a:t>
+            </a:r>
           </a:p>
         </p:txBody>
       </p:sp>
@@ -6065,6 +6038,588 @@
           </a:xfrm>
         </p:spPr>
       </p:pic>
+      <p:graphicFrame>
+        <p:nvGraphicFramePr>
+          <p:cNvPr id="5" name="Table 28">
+            <a:extLst>
+              <a:ext uri="{FF2B5EF4-FFF2-40B4-BE49-F238E27FC236}">
+                <a16:creationId xmlns:a16="http://schemas.microsoft.com/office/drawing/2014/main" id="{065E5DF6-F574-ED40-817F-20C38DC3C34E}"/>
+              </a:ext>
+            </a:extLst>
+          </p:cNvPr>
+          <p:cNvGraphicFramePr>
+            <a:graphicFrameLocks noGrp="1"/>
+          </p:cNvGraphicFramePr>
+          <p:nvPr>
+            <p:extLst>
+              <p:ext uri="{D42A27DB-BD31-4B8C-83A1-F6EECF244321}">
+                <p14:modId xmlns:p14="http://schemas.microsoft.com/office/powerpoint/2010/main" val="1374317989"/>
+              </p:ext>
+            </p:extLst>
+          </p:nvPr>
+        </p:nvGraphicFramePr>
+        <p:xfrm>
+          <a:off x="6824557" y="1879288"/>
+          <a:ext cx="5367443" cy="2524760"/>
+        </p:xfrm>
+        <a:graphic>
+          <a:graphicData uri="http://schemas.openxmlformats.org/drawingml/2006/table">
+            <a:tbl>
+              <a:tblPr firstRow="1" bandRow="1">
+                <a:tableStyleId>{69CF1AB2-1976-4502-BF36-3FF5EA218861}</a:tableStyleId>
+              </a:tblPr>
+              <a:tblGrid>
+                <a:gridCol w="1179830">
+                  <a:extLst>
+                    <a:ext uri="{9D8B030D-6E8A-4147-A177-3AD203B41FA5}">
+                      <a16:colId xmlns:a16="http://schemas.microsoft.com/office/drawing/2014/main" val="4154963407"/>
+                    </a:ext>
+                  </a:extLst>
+                </a:gridCol>
+                <a:gridCol w="1478280">
+                  <a:extLst>
+                    <a:ext uri="{9D8B030D-6E8A-4147-A177-3AD203B41FA5}">
+                      <a16:colId xmlns:a16="http://schemas.microsoft.com/office/drawing/2014/main" val="3179835370"/>
+                    </a:ext>
+                  </a:extLst>
+                </a:gridCol>
+                <a:gridCol w="2709333">
+                  <a:extLst>
+                    <a:ext uri="{9D8B030D-6E8A-4147-A177-3AD203B41FA5}">
+                      <a16:colId xmlns:a16="http://schemas.microsoft.com/office/drawing/2014/main" val="2474609523"/>
+                    </a:ext>
+                  </a:extLst>
+                </a:gridCol>
+              </a:tblGrid>
+              <a:tr h="0">
+                <a:tc>
+                  <a:txBody>
+                    <a:bodyPr/>
+                    <a:lstStyle/>
+                    <a:p>
+                      <a:pPr algn="ctr"/>
+                      <a:r>
+                        <a:rPr lang="en-US" sz="1600" dirty="0">
+                          <a:ln>
+                            <a:noFill/>
+                          </a:ln>
+                          <a:solidFill>
+                            <a:schemeClr val="bg1"/>
+                          </a:solidFill>
+                        </a:rPr>
+                        <a:t>Ref. Num.</a:t>
+                      </a:r>
+                    </a:p>
+                  </a:txBody>
+                  <a:tcPr/>
+                </a:tc>
+                <a:tc>
+                  <a:txBody>
+                    <a:bodyPr/>
+                    <a:lstStyle/>
+                    <a:p>
+                      <a:pPr algn="ctr"/>
+                      <a:r>
+                        <a:rPr lang="en-US" sz="1600" dirty="0">
+                          <a:ln>
+                            <a:noFill/>
+                          </a:ln>
+                          <a:solidFill>
+                            <a:schemeClr val="bg1"/>
+                          </a:solidFill>
+                        </a:rPr>
+                        <a:t>City</a:t>
+                      </a:r>
+                    </a:p>
+                  </a:txBody>
+                  <a:tcPr/>
+                </a:tc>
+                <a:tc>
+                  <a:txBody>
+                    <a:bodyPr/>
+                    <a:lstStyle/>
+                    <a:p>
+                      <a:pPr algn="ctr"/>
+                      <a:r>
+                        <a:rPr lang="en-US" sz="1600" dirty="0">
+                          <a:ln>
+                            <a:noFill/>
+                          </a:ln>
+                          <a:solidFill>
+                            <a:schemeClr val="bg1"/>
+                          </a:solidFill>
+                        </a:rPr>
+                        <a:t>Avg. Price</a:t>
+                      </a:r>
+                    </a:p>
+                  </a:txBody>
+                  <a:tcPr/>
+                </a:tc>
+                <a:extLst>
+                  <a:ext uri="{0D108BD9-81ED-4DB2-BD59-A6C34878D82A}">
+                    <a16:rowId xmlns:a16="http://schemas.microsoft.com/office/drawing/2014/main" val="1527427084"/>
+                  </a:ext>
+                </a:extLst>
+              </a:tr>
+              <a:tr h="370840">
+                <a:tc>
+                  <a:txBody>
+                    <a:bodyPr/>
+                    <a:lstStyle/>
+                    <a:p>
+                      <a:pPr algn="ctr"/>
+                      <a:r>
+                        <a:rPr lang="en-US" sz="1600" dirty="0">
+                          <a:ln>
+                            <a:noFill/>
+                          </a:ln>
+                          <a:solidFill>
+                            <a:schemeClr val="bg1"/>
+                          </a:solidFill>
+                        </a:rPr>
+                        <a:t>1</a:t>
+                      </a:r>
+                    </a:p>
+                  </a:txBody>
+                  <a:tcPr/>
+                </a:tc>
+                <a:tc>
+                  <a:txBody>
+                    <a:bodyPr/>
+                    <a:lstStyle/>
+                    <a:p>
+                      <a:pPr algn="l"/>
+                      <a:r>
+                        <a:rPr lang="en-US" sz="1600" dirty="0">
+                          <a:ln>
+                            <a:noFill/>
+                          </a:ln>
+                          <a:solidFill>
+                            <a:schemeClr val="bg1"/>
+                          </a:solidFill>
+                        </a:rPr>
+                        <a:t>Austin</a:t>
+                      </a:r>
+                    </a:p>
+                  </a:txBody>
+                  <a:tcPr/>
+                </a:tc>
+                <a:tc>
+                  <a:txBody>
+                    <a:bodyPr/>
+                    <a:lstStyle/>
+                    <a:p>
+                      <a:pPr algn="ctr"/>
+                      <a:r>
+                        <a:rPr lang="en-US" sz="1600" dirty="0">
+                          <a:ln>
+                            <a:noFill/>
+                          </a:ln>
+                          <a:solidFill>
+                            <a:schemeClr val="bg1"/>
+                          </a:solidFill>
+                        </a:rPr>
+                        <a:t>$127.22</a:t>
+                      </a:r>
+                    </a:p>
+                  </a:txBody>
+                  <a:tcPr/>
+                </a:tc>
+                <a:extLst>
+                  <a:ext uri="{0D108BD9-81ED-4DB2-BD59-A6C34878D82A}">
+                    <a16:rowId xmlns:a16="http://schemas.microsoft.com/office/drawing/2014/main" val="3781367496"/>
+                  </a:ext>
+                </a:extLst>
+              </a:tr>
+              <a:tr h="370840">
+                <a:tc>
+                  <a:txBody>
+                    <a:bodyPr/>
+                    <a:lstStyle/>
+                    <a:p>
+                      <a:pPr algn="ctr"/>
+                      <a:r>
+                        <a:rPr lang="en-US" sz="1600" dirty="0">
+                          <a:ln>
+                            <a:noFill/>
+                          </a:ln>
+                          <a:solidFill>
+                            <a:schemeClr val="bg1"/>
+                          </a:solidFill>
+                        </a:rPr>
+                        <a:t>2</a:t>
+                      </a:r>
+                    </a:p>
+                  </a:txBody>
+                  <a:tcPr/>
+                </a:tc>
+                <a:tc>
+                  <a:txBody>
+                    <a:bodyPr/>
+                    <a:lstStyle/>
+                    <a:p>
+                      <a:pPr algn="l"/>
+                      <a:r>
+                        <a:rPr lang="en-US" sz="1600" dirty="0">
+                          <a:ln>
+                            <a:noFill/>
+                          </a:ln>
+                          <a:solidFill>
+                            <a:schemeClr val="bg1"/>
+                          </a:solidFill>
+                        </a:rPr>
+                        <a:t>Charlotte</a:t>
+                      </a:r>
+                    </a:p>
+                  </a:txBody>
+                  <a:tcPr/>
+                </a:tc>
+                <a:tc>
+                  <a:txBody>
+                    <a:bodyPr/>
+                    <a:lstStyle/>
+                    <a:p>
+                      <a:pPr algn="ctr"/>
+                      <a:r>
+                        <a:rPr lang="en-US" sz="1600" dirty="0">
+                          <a:ln>
+                            <a:noFill/>
+                          </a:ln>
+                          <a:solidFill>
+                            <a:schemeClr val="bg1"/>
+                          </a:solidFill>
+                        </a:rPr>
+                        <a:t>$132.06</a:t>
+                      </a:r>
+                    </a:p>
+                  </a:txBody>
+                  <a:tcPr/>
+                </a:tc>
+                <a:extLst>
+                  <a:ext uri="{0D108BD9-81ED-4DB2-BD59-A6C34878D82A}">
+                    <a16:rowId xmlns:a16="http://schemas.microsoft.com/office/drawing/2014/main" val="1512960835"/>
+                  </a:ext>
+                </a:extLst>
+              </a:tr>
+              <a:tr h="370840">
+                <a:tc>
+                  <a:txBody>
+                    <a:bodyPr/>
+                    <a:lstStyle/>
+                    <a:p>
+                      <a:pPr algn="ctr"/>
+                      <a:r>
+                        <a:rPr lang="en-US" sz="1600" dirty="0">
+                          <a:ln>
+                            <a:noFill/>
+                          </a:ln>
+                          <a:solidFill>
+                            <a:schemeClr val="bg1"/>
+                          </a:solidFill>
+                        </a:rPr>
+                        <a:t>3</a:t>
+                      </a:r>
+                    </a:p>
+                  </a:txBody>
+                  <a:tcPr/>
+                </a:tc>
+                <a:tc>
+                  <a:txBody>
+                    <a:bodyPr/>
+                    <a:lstStyle/>
+                    <a:p>
+                      <a:pPr algn="l"/>
+                      <a:r>
+                        <a:rPr lang="en-US" sz="1600" dirty="0">
+                          <a:ln>
+                            <a:noFill/>
+                          </a:ln>
+                          <a:solidFill>
+                            <a:schemeClr val="bg1"/>
+                          </a:solidFill>
+                        </a:rPr>
+                        <a:t>Detroit</a:t>
+                      </a:r>
+                    </a:p>
+                  </a:txBody>
+                  <a:tcPr/>
+                </a:tc>
+                <a:tc>
+                  <a:txBody>
+                    <a:bodyPr/>
+                    <a:lstStyle/>
+                    <a:p>
+                      <a:pPr algn="ctr"/>
+                      <a:r>
+                        <a:rPr lang="en-US" sz="1600" dirty="0">
+                          <a:ln>
+                            <a:noFill/>
+                          </a:ln>
+                          <a:solidFill>
+                            <a:schemeClr val="bg1"/>
+                          </a:solidFill>
+                        </a:rPr>
+                        <a:t>$145.48</a:t>
+                      </a:r>
+                    </a:p>
+                  </a:txBody>
+                  <a:tcPr/>
+                </a:tc>
+                <a:extLst>
+                  <a:ext uri="{0D108BD9-81ED-4DB2-BD59-A6C34878D82A}">
+                    <a16:rowId xmlns:a16="http://schemas.microsoft.com/office/drawing/2014/main" val="1704641650"/>
+                  </a:ext>
+                </a:extLst>
+              </a:tr>
+              <a:tr h="370840">
+                <a:tc>
+                  <a:txBody>
+                    <a:bodyPr/>
+                    <a:lstStyle/>
+                    <a:p>
+                      <a:pPr algn="ctr"/>
+                      <a:r>
+                        <a:rPr lang="en-US" sz="1600" dirty="0">
+                          <a:ln>
+                            <a:noFill/>
+                          </a:ln>
+                          <a:solidFill>
+                            <a:schemeClr val="bg1"/>
+                          </a:solidFill>
+                        </a:rPr>
+                        <a:t>4</a:t>
+                      </a:r>
+                    </a:p>
+                  </a:txBody>
+                  <a:tcPr/>
+                </a:tc>
+                <a:tc>
+                  <a:txBody>
+                    <a:bodyPr/>
+                    <a:lstStyle/>
+                    <a:p>
+                      <a:pPr algn="l"/>
+                      <a:r>
+                        <a:rPr lang="en-US" sz="1600" dirty="0">
+                          <a:ln>
+                            <a:noFill/>
+                          </a:ln>
+                          <a:solidFill>
+                            <a:schemeClr val="bg1"/>
+                          </a:solidFill>
+                        </a:rPr>
+                        <a:t>Indianapolis </a:t>
+                      </a:r>
+                    </a:p>
+                  </a:txBody>
+                  <a:tcPr/>
+                </a:tc>
+                <a:tc>
+                  <a:txBody>
+                    <a:bodyPr/>
+                    <a:lstStyle/>
+                    <a:p>
+                      <a:pPr algn="ctr"/>
+                      <a:r>
+                        <a:rPr lang="en-US" sz="1600" dirty="0">
+                          <a:ln>
+                            <a:noFill/>
+                          </a:ln>
+                          <a:solidFill>
+                            <a:schemeClr val="bg1"/>
+                          </a:solidFill>
+                        </a:rPr>
+                        <a:t>$138.56</a:t>
+                      </a:r>
+                    </a:p>
+                  </a:txBody>
+                  <a:tcPr/>
+                </a:tc>
+                <a:extLst>
+                  <a:ext uri="{0D108BD9-81ED-4DB2-BD59-A6C34878D82A}">
+                    <a16:rowId xmlns:a16="http://schemas.microsoft.com/office/drawing/2014/main" val="3714029328"/>
+                  </a:ext>
+                </a:extLst>
+              </a:tr>
+              <a:tr h="370840">
+                <a:tc>
+                  <a:txBody>
+                    <a:bodyPr/>
+                    <a:lstStyle/>
+                    <a:p>
+                      <a:pPr algn="ctr"/>
+                      <a:r>
+                        <a:rPr lang="en-US" sz="1600" dirty="0">
+                          <a:ln>
+                            <a:noFill/>
+                          </a:ln>
+                          <a:solidFill>
+                            <a:schemeClr val="bg1"/>
+                          </a:solidFill>
+                        </a:rPr>
+                        <a:t>5</a:t>
+                      </a:r>
+                    </a:p>
+                  </a:txBody>
+                  <a:tcPr/>
+                </a:tc>
+                <a:tc>
+                  <a:txBody>
+                    <a:bodyPr/>
+                    <a:lstStyle/>
+                    <a:p>
+                      <a:pPr algn="l"/>
+                      <a:r>
+                        <a:rPr lang="en-US" sz="1600" dirty="0">
+                          <a:ln>
+                            <a:noFill/>
+                          </a:ln>
+                          <a:solidFill>
+                            <a:schemeClr val="bg1"/>
+                          </a:solidFill>
+                        </a:rPr>
+                        <a:t>Phoenix</a:t>
+                      </a:r>
+                    </a:p>
+                  </a:txBody>
+                  <a:tcPr/>
+                </a:tc>
+                <a:tc>
+                  <a:txBody>
+                    <a:bodyPr/>
+                    <a:lstStyle/>
+                    <a:p>
+                      <a:pPr algn="ctr"/>
+                      <a:r>
+                        <a:rPr lang="en-US" sz="1600" dirty="0">
+                          <a:ln>
+                            <a:noFill/>
+                          </a:ln>
+                          <a:solidFill>
+                            <a:schemeClr val="bg1"/>
+                          </a:solidFill>
+                        </a:rPr>
+                        <a:t>$137.18</a:t>
+                      </a:r>
+                    </a:p>
+                  </a:txBody>
+                  <a:tcPr/>
+                </a:tc>
+                <a:extLst>
+                  <a:ext uri="{0D108BD9-81ED-4DB2-BD59-A6C34878D82A}">
+                    <a16:rowId xmlns:a16="http://schemas.microsoft.com/office/drawing/2014/main" val="2547533665"/>
+                  </a:ext>
+                </a:extLst>
+              </a:tr>
+              <a:tr h="297638">
+                <a:tc>
+                  <a:txBody>
+                    <a:bodyPr/>
+                    <a:lstStyle/>
+                    <a:p>
+                      <a:pPr algn="ctr"/>
+                      <a:r>
+                        <a:rPr lang="en-US" sz="1600" dirty="0">
+                          <a:ln>
+                            <a:noFill/>
+                          </a:ln>
+                          <a:solidFill>
+                            <a:schemeClr val="bg1"/>
+                          </a:solidFill>
+                        </a:rPr>
+                        <a:t>6</a:t>
+                      </a:r>
+                    </a:p>
+                  </a:txBody>
+                  <a:tcPr/>
+                </a:tc>
+                <a:tc>
+                  <a:txBody>
+                    <a:bodyPr/>
+                    <a:lstStyle/>
+                    <a:p>
+                      <a:pPr algn="l"/>
+                      <a:r>
+                        <a:rPr lang="en-US" sz="1600" dirty="0">
+                          <a:ln>
+                            <a:noFill/>
+                          </a:ln>
+                          <a:solidFill>
+                            <a:schemeClr val="bg1"/>
+                          </a:solidFill>
+                        </a:rPr>
+                        <a:t>Seattle</a:t>
+                      </a:r>
+                    </a:p>
+                  </a:txBody>
+                  <a:tcPr/>
+                </a:tc>
+                <a:tc>
+                  <a:txBody>
+                    <a:bodyPr/>
+                    <a:lstStyle/>
+                    <a:p>
+                      <a:pPr algn="ctr"/>
+                      <a:r>
+                        <a:rPr lang="en-US" sz="1600" dirty="0">
+                          <a:ln>
+                            <a:noFill/>
+                          </a:ln>
+                          <a:solidFill>
+                            <a:schemeClr val="bg1"/>
+                          </a:solidFill>
+                        </a:rPr>
+                        <a:t>$138.42</a:t>
+                      </a:r>
+                    </a:p>
+                  </a:txBody>
+                  <a:tcPr/>
+                </a:tc>
+                <a:extLst>
+                  <a:ext uri="{0D108BD9-81ED-4DB2-BD59-A6C34878D82A}">
+                    <a16:rowId xmlns:a16="http://schemas.microsoft.com/office/drawing/2014/main" val="1614357033"/>
+                  </a:ext>
+                </a:extLst>
+              </a:tr>
+            </a:tbl>
+          </a:graphicData>
+        </a:graphic>
+      </p:graphicFrame>
+      <p:sp>
+        <p:nvSpPr>
+          <p:cNvPr id="6" name="TextBox 5">
+            <a:extLst>
+              <a:ext uri="{FF2B5EF4-FFF2-40B4-BE49-F238E27FC236}">
+                <a16:creationId xmlns:a16="http://schemas.microsoft.com/office/drawing/2014/main" id="{130EA0B2-A503-6E45-952E-9DB021A7F9AA}"/>
+              </a:ext>
+            </a:extLst>
+          </p:cNvPr>
+          <p:cNvSpPr txBox="1"/>
+          <p:nvPr/>
+        </p:nvSpPr>
+        <p:spPr>
+          <a:xfrm flipH="1">
+            <a:off x="14284" y="6432868"/>
+            <a:ext cx="12063411" cy="369332"/>
+          </a:xfrm>
+          <a:prstGeom prst="rect">
+            <a:avLst/>
+          </a:prstGeom>
+          <a:noFill/>
+        </p:spPr>
+        <p:txBody>
+          <a:bodyPr wrap="square" rtlCol="0">
+            <a:spAutoFit/>
+          </a:bodyPr>
+          <a:lstStyle/>
+          <a:p>
+            <a:r>
+              <a:rPr lang="en-US" dirty="0"/>
+              <a:t>NOTE: Red numbers on the bar chart are reference numbers that correlate with the chart.</a:t>
+            </a:r>
+          </a:p>
+        </p:txBody>
+      </p:sp>
     </p:spTree>
     <p:extLst>
       <p:ext uri="{BB962C8B-B14F-4D97-AF65-F5344CB8AC3E}">
@@ -9492,13 +10047,8 @@
             <a:pPr lvl="1"/>
             <a:r>
               <a:rPr lang="en-US" dirty="0"/>
-              <a:t>Generated a line graph to determine total cost (hotel price vs city ) to determine which cities are </a:t>
-            </a:r>
-            <a:r>
-              <a:rPr lang="en-US"/>
-              <a:t>more expensive.</a:t>
-            </a:r>
-            <a:endParaRPr lang="en-US" dirty="0"/>
+              <a:t>Generated a line graph to determine total cost (hotel price vs city ) to determine which cities are more expensive.</a:t>
+            </a:r>
           </a:p>
           <a:p>
             <a:pPr lvl="1"/>

--- a/Project 1_Where to Build.pptx
+++ b/Project 1_Where to Build.pptx
@@ -6599,7 +6599,7 @@
         </p:nvSpPr>
         <p:spPr>
           <a:xfrm flipH="1">
-            <a:off x="14284" y="6432868"/>
+            <a:off x="2061613" y="6488668"/>
             <a:ext cx="12063411" cy="369332"/>
           </a:xfrm>
           <a:prstGeom prst="rect">
@@ -6616,6 +6616,273 @@
             <a:r>
               <a:rPr lang="en-US" dirty="0"/>
               <a:t>NOTE: Red numbers on the bar chart are reference numbers that correlate with the chart.</a:t>
+            </a:r>
+          </a:p>
+        </p:txBody>
+      </p:sp>
+      <p:pic>
+        <p:nvPicPr>
+          <p:cNvPr id="8" name="Picture 7">
+            <a:extLst>
+              <a:ext uri="{FF2B5EF4-FFF2-40B4-BE49-F238E27FC236}">
+                <a16:creationId xmlns:a16="http://schemas.microsoft.com/office/drawing/2014/main" id="{B9EA2A9A-4238-B748-8856-FAA226398D60}"/>
+              </a:ext>
+            </a:extLst>
+          </p:cNvPr>
+          <p:cNvPicPr>
+            <a:picLocks noChangeAspect="1"/>
+          </p:cNvPicPr>
+          <p:nvPr/>
+        </p:nvPicPr>
+        <p:blipFill>
+          <a:blip r:embed="rId3"/>
+          <a:stretch>
+            <a:fillRect/>
+          </a:stretch>
+        </p:blipFill>
+        <p:spPr>
+          <a:xfrm>
+            <a:off x="1856865" y="4399624"/>
+            <a:ext cx="8373873" cy="2093468"/>
+          </a:xfrm>
+          <a:prstGeom prst="rect">
+            <a:avLst/>
+          </a:prstGeom>
+          <a:solidFill>
+            <a:schemeClr val="tx1"/>
+          </a:solidFill>
+        </p:spPr>
+      </p:pic>
+      <p:sp>
+        <p:nvSpPr>
+          <p:cNvPr id="9" name="TextBox 8">
+            <a:extLst>
+              <a:ext uri="{FF2B5EF4-FFF2-40B4-BE49-F238E27FC236}">
+                <a16:creationId xmlns:a16="http://schemas.microsoft.com/office/drawing/2014/main" id="{8114FA98-D7A1-C24F-956F-EFA02247A959}"/>
+              </a:ext>
+            </a:extLst>
+          </p:cNvPr>
+          <p:cNvSpPr txBox="1"/>
+          <p:nvPr/>
+        </p:nvSpPr>
+        <p:spPr>
+          <a:xfrm>
+            <a:off x="3093667" y="4628343"/>
+            <a:ext cx="312906" cy="369332"/>
+          </a:xfrm>
+          <a:prstGeom prst="rect">
+            <a:avLst/>
+          </a:prstGeom>
+          <a:noFill/>
+        </p:spPr>
+        <p:txBody>
+          <a:bodyPr wrap="none" rtlCol="0">
+            <a:spAutoFit/>
+          </a:bodyPr>
+          <a:lstStyle/>
+          <a:p>
+            <a:r>
+              <a:rPr lang="en-US" dirty="0">
+                <a:solidFill>
+                  <a:srgbClr val="FF0000"/>
+                </a:solidFill>
+              </a:rPr>
+              <a:t>1</a:t>
+            </a:r>
+          </a:p>
+        </p:txBody>
+      </p:sp>
+      <p:sp>
+        <p:nvSpPr>
+          <p:cNvPr id="10" name="TextBox 9">
+            <a:extLst>
+              <a:ext uri="{FF2B5EF4-FFF2-40B4-BE49-F238E27FC236}">
+                <a16:creationId xmlns:a16="http://schemas.microsoft.com/office/drawing/2014/main" id="{8D36F6D9-5058-E447-9D76-457F1E3B8A1E}"/>
+              </a:ext>
+            </a:extLst>
+          </p:cNvPr>
+          <p:cNvSpPr txBox="1"/>
+          <p:nvPr/>
+        </p:nvSpPr>
+        <p:spPr>
+          <a:xfrm>
+            <a:off x="4166123" y="4503869"/>
+            <a:ext cx="312906" cy="369332"/>
+          </a:xfrm>
+          <a:prstGeom prst="rect">
+            <a:avLst/>
+          </a:prstGeom>
+          <a:noFill/>
+        </p:spPr>
+        <p:txBody>
+          <a:bodyPr wrap="none" rtlCol="0">
+            <a:spAutoFit/>
+          </a:bodyPr>
+          <a:lstStyle/>
+          <a:p>
+            <a:r>
+              <a:rPr lang="en-US" dirty="0">
+                <a:solidFill>
+                  <a:srgbClr val="FF0000"/>
+                </a:solidFill>
+              </a:rPr>
+              <a:t>3</a:t>
+            </a:r>
+          </a:p>
+        </p:txBody>
+      </p:sp>
+      <p:sp>
+        <p:nvSpPr>
+          <p:cNvPr id="11" name="TextBox 10">
+            <a:extLst>
+              <a:ext uri="{FF2B5EF4-FFF2-40B4-BE49-F238E27FC236}">
+                <a16:creationId xmlns:a16="http://schemas.microsoft.com/office/drawing/2014/main" id="{B2A9081B-55FD-7947-A484-9A6623C2E0B1}"/>
+              </a:ext>
+            </a:extLst>
+          </p:cNvPr>
+          <p:cNvSpPr txBox="1"/>
+          <p:nvPr/>
+        </p:nvSpPr>
+        <p:spPr>
+          <a:xfrm>
+            <a:off x="4990301" y="4567923"/>
+            <a:ext cx="312906" cy="369332"/>
+          </a:xfrm>
+          <a:prstGeom prst="rect">
+            <a:avLst/>
+          </a:prstGeom>
+          <a:noFill/>
+        </p:spPr>
+        <p:txBody>
+          <a:bodyPr wrap="none" rtlCol="0">
+            <a:spAutoFit/>
+          </a:bodyPr>
+          <a:lstStyle/>
+          <a:p>
+            <a:r>
+              <a:rPr lang="en-US" dirty="0">
+                <a:solidFill>
+                  <a:srgbClr val="FF0000"/>
+                </a:solidFill>
+              </a:rPr>
+              <a:t>4</a:t>
+            </a:r>
+          </a:p>
+        </p:txBody>
+      </p:sp>
+      <p:sp>
+        <p:nvSpPr>
+          <p:cNvPr id="12" name="TextBox 11">
+            <a:extLst>
+              <a:ext uri="{FF2B5EF4-FFF2-40B4-BE49-F238E27FC236}">
+                <a16:creationId xmlns:a16="http://schemas.microsoft.com/office/drawing/2014/main" id="{D32B8DEC-EBAD-1F49-A059-B0E2034DFB5E}"/>
+              </a:ext>
+            </a:extLst>
+          </p:cNvPr>
+          <p:cNvSpPr txBox="1"/>
+          <p:nvPr/>
+        </p:nvSpPr>
+        <p:spPr>
+          <a:xfrm>
+            <a:off x="8779155" y="4596077"/>
+            <a:ext cx="312906" cy="369332"/>
+          </a:xfrm>
+          <a:prstGeom prst="rect">
+            <a:avLst/>
+          </a:prstGeom>
+          <a:noFill/>
+        </p:spPr>
+        <p:txBody>
+          <a:bodyPr wrap="none" rtlCol="0">
+            <a:spAutoFit/>
+          </a:bodyPr>
+          <a:lstStyle/>
+          <a:p>
+            <a:r>
+              <a:rPr lang="en-US" dirty="0">
+                <a:solidFill>
+                  <a:srgbClr val="FF0000"/>
+                </a:solidFill>
+              </a:rPr>
+              <a:t>6</a:t>
+            </a:r>
+          </a:p>
+        </p:txBody>
+      </p:sp>
+      <p:sp>
+        <p:nvSpPr>
+          <p:cNvPr id="13" name="TextBox 12">
+            <a:extLst>
+              <a:ext uri="{FF2B5EF4-FFF2-40B4-BE49-F238E27FC236}">
+                <a16:creationId xmlns:a16="http://schemas.microsoft.com/office/drawing/2014/main" id="{661214D0-5613-B44E-8C6F-06DB4AC3F18F}"/>
+              </a:ext>
+            </a:extLst>
+          </p:cNvPr>
+          <p:cNvSpPr txBox="1"/>
+          <p:nvPr/>
+        </p:nvSpPr>
+        <p:spPr>
+          <a:xfrm>
+            <a:off x="7327573" y="4642574"/>
+            <a:ext cx="312906" cy="369332"/>
+          </a:xfrm>
+          <a:prstGeom prst="rect">
+            <a:avLst/>
+          </a:prstGeom>
+          <a:noFill/>
+        </p:spPr>
+        <p:txBody>
+          <a:bodyPr wrap="square" rtlCol="0">
+            <a:spAutoFit/>
+          </a:bodyPr>
+          <a:lstStyle/>
+          <a:p>
+            <a:r>
+              <a:rPr lang="en-US" dirty="0">
+                <a:solidFill>
+                  <a:srgbClr val="FF0000"/>
+                </a:solidFill>
+              </a:rPr>
+              <a:t>5</a:t>
+            </a:r>
+          </a:p>
+        </p:txBody>
+      </p:sp>
+      <p:sp>
+        <p:nvSpPr>
+          <p:cNvPr id="14" name="TextBox 13">
+            <a:extLst>
+              <a:ext uri="{FF2B5EF4-FFF2-40B4-BE49-F238E27FC236}">
+                <a16:creationId xmlns:a16="http://schemas.microsoft.com/office/drawing/2014/main" id="{0F9646AA-FDCE-D64F-812B-0903FA04C7D2}"/>
+              </a:ext>
+            </a:extLst>
+          </p:cNvPr>
+          <p:cNvSpPr txBox="1"/>
+          <p:nvPr/>
+        </p:nvSpPr>
+        <p:spPr>
+          <a:xfrm>
+            <a:off x="3903650" y="4780743"/>
+            <a:ext cx="312906" cy="369332"/>
+          </a:xfrm>
+          <a:prstGeom prst="rect">
+            <a:avLst/>
+          </a:prstGeom>
+          <a:noFill/>
+        </p:spPr>
+        <p:txBody>
+          <a:bodyPr wrap="none" rtlCol="0">
+            <a:spAutoFit/>
+          </a:bodyPr>
+          <a:lstStyle/>
+          <a:p>
+            <a:r>
+              <a:rPr lang="en-US" dirty="0">
+                <a:solidFill>
+                  <a:srgbClr val="FF0000"/>
+                </a:solidFill>
+              </a:rPr>
+              <a:t>2</a:t>
             </a:r>
           </a:p>
         </p:txBody>
@@ -8595,13 +8862,13 @@
           <a:p>
             <a:r>
               <a:rPr lang="en-US" dirty="0"/>
-              <a:t>Some APIs where incomplete therefore we had to run multiple times to generate data. The ultimately created a situation when we ran over our daily call limits.</a:t>
-            </a:r>
-          </a:p>
-          <a:p>
-            <a:r>
-              <a:rPr lang="en-US" dirty="0"/>
-              <a:t>If we had more time, we could have found more Data to add to the overall data set, maybe, possibly a data set with better parameters to offer.</a:t>
+              <a:t>Some APIs were incomplete therefore we had to run multiple times to generate data. That ultimately created a situation when we ran over our daily call limits.</a:t>
+            </a:r>
+          </a:p>
+          <a:p>
+            <a:r>
+              <a:rPr lang="en-US" dirty="0"/>
+              <a:t>If we had more time, we could have found more data to add to the overall data set, maybe, possibly a data set with better parameters to offer.</a:t>
             </a:r>
           </a:p>
           <a:p>

--- a/Project 1_Where to Build.pptx
+++ b/Project 1_Where to Build.pptx
@@ -225,7 +225,7 @@
           <a:effectLst/>
           <a:extLst>
             <a:ext uri="{91240B29-F687-4f45-9708-019B960494DF}">
-              <a14:hiddenLine xmlns:a14="http://schemas.microsoft.com/office/drawing/2010/main" xmlns="" w="9525">
+              <a14:hiddenLine xmlns="" xmlns:a14="http://schemas.microsoft.com/office/drawing/2010/main" w="9525">
                 <a:solidFill>
                   <a:srgbClr val="000000"/>
                 </a:solidFill>
@@ -418,7 +418,7 @@
             <a:fld id="{08B9EBBA-996F-894A-B54A-D6246ED52CEA}" type="datetimeFigureOut">
               <a:rPr lang="en-US" dirty="0"/>
               <a:pPr/>
-              <a:t>3/12/21</a:t>
+              <a:t>3/13/21</a:t>
             </a:fld>
             <a:endParaRPr lang="en-US" dirty="0"/>
           </a:p>
@@ -733,7 +733,7 @@
             <a:fld id="{18C79C5D-2A6F-F04D-97DA-BEF2467B64E4}" type="datetimeFigureOut">
               <a:rPr lang="en-US" dirty="0"/>
               <a:pPr/>
-              <a:t>3/12/21</a:t>
+              <a:t>3/13/21</a:t>
             </a:fld>
             <a:endParaRPr lang="en-US" dirty="0"/>
           </a:p>
@@ -1218,7 +1218,7 @@
             <a:fld id="{8DFA1846-DA80-1C48-A609-854EA85C59AD}" type="datetimeFigureOut">
               <a:rPr lang="en-US" dirty="0"/>
               <a:pPr/>
-              <a:t>3/12/21</a:t>
+              <a:t>3/13/21</a:t>
             </a:fld>
             <a:endParaRPr lang="en-US" dirty="0"/>
           </a:p>
@@ -1584,7 +1584,7 @@
             <a:fld id="{FBF54567-0DE4-3F47-BF90-CB84690072F9}" type="datetimeFigureOut">
               <a:rPr lang="en-US" dirty="0"/>
               <a:pPr/>
-              <a:t>3/12/21</a:t>
+              <a:t>3/13/21</a:t>
             </a:fld>
             <a:endParaRPr lang="en-US" dirty="0"/>
           </a:p>
@@ -1735,7 +1735,7 @@
           <a:ln/>
           <a:extLst>
             <a:ext uri="{91240B29-F687-4f45-9708-019B960494DF}">
-              <a14:hiddenLine xmlns:a14="http://schemas.microsoft.com/office/drawing/2010/main" xmlns="" w="9525">
+              <a14:hiddenLine xmlns="" xmlns:a14="http://schemas.microsoft.com/office/drawing/2010/main" w="9525">
                 <a:solidFill>
                   <a:srgbClr val="000000"/>
                 </a:solidFill>
@@ -1854,7 +1854,7 @@
             <a:fld id="{C6C52C72-DE31-F449-A4ED-4C594FD91407}" type="datetimeFigureOut">
               <a:rPr lang="en-US" dirty="0"/>
               <a:pPr/>
-              <a:t>3/12/21</a:t>
+              <a:t>3/13/21</a:t>
             </a:fld>
             <a:endParaRPr lang="en-US" dirty="0"/>
           </a:p>
@@ -2007,7 +2007,7 @@
           <a:ln/>
           <a:extLst>
             <a:ext uri="{91240B29-F687-4f45-9708-019B960494DF}">
-              <a14:hiddenLine xmlns:a14="http://schemas.microsoft.com/office/drawing/2010/main" xmlns="" w="9525">
+              <a14:hiddenLine xmlns="" xmlns:a14="http://schemas.microsoft.com/office/drawing/2010/main" w="9525">
                 <a:solidFill>
                   <a:srgbClr val="000000"/>
                 </a:solidFill>
@@ -2136,7 +2136,7 @@
             <a:fld id="{ED62726E-379B-B349-9EED-81ED093FA806}" type="datetimeFigureOut">
               <a:rPr lang="en-US" dirty="0"/>
               <a:pPr/>
-              <a:t>3/12/21</a:t>
+              <a:t>3/13/21</a:t>
             </a:fld>
             <a:endParaRPr lang="en-US" dirty="0"/>
           </a:p>
@@ -2287,7 +2287,7 @@
           <a:ln/>
           <a:extLst>
             <a:ext uri="{91240B29-F687-4f45-9708-019B960494DF}">
-              <a14:hiddenLine xmlns:a14="http://schemas.microsoft.com/office/drawing/2010/main" xmlns="" w="9525">
+              <a14:hiddenLine xmlns="" xmlns:a14="http://schemas.microsoft.com/office/drawing/2010/main" w="9525">
                 <a:solidFill>
                   <a:srgbClr val="000000"/>
                 </a:solidFill>
@@ -2416,7 +2416,7 @@
             <a:fld id="{9B3A1323-8D79-1946-B0D7-40001CF92E9D}" type="datetimeFigureOut">
               <a:rPr lang="en-US" dirty="0"/>
               <a:pPr/>
-              <a:t>3/12/21</a:t>
+              <a:t>3/13/21</a:t>
             </a:fld>
             <a:endParaRPr lang="en-US" dirty="0"/>
           </a:p>
@@ -2756,7 +2756,7 @@
             <a:fld id="{8DFA1846-DA80-1C48-A609-854EA85C59AD}" type="datetimeFigureOut">
               <a:rPr lang="en-US" dirty="0"/>
               <a:pPr/>
-              <a:t>3/12/21</a:t>
+              <a:t>3/13/21</a:t>
             </a:fld>
             <a:endParaRPr lang="en-US" dirty="0"/>
           </a:p>
@@ -2907,7 +2907,7 @@
           <a:ln/>
           <a:extLst>
             <a:ext uri="{91240B29-F687-4f45-9708-019B960494DF}">
-              <a14:hiddenLine xmlns:a14="http://schemas.microsoft.com/office/drawing/2010/main" xmlns="" w="9525">
+              <a14:hiddenLine xmlns="" xmlns:a14="http://schemas.microsoft.com/office/drawing/2010/main" w="9525">
                 <a:solidFill>
                   <a:srgbClr val="000000"/>
                 </a:solidFill>
@@ -3092,7 +3092,7 @@
             <a:fld id="{57302355-E14B-8545-A8F8-0FE83CC9D524}" type="datetimeFigureOut">
               <a:rPr lang="en-US" dirty="0"/>
               <a:pPr/>
-              <a:t>3/12/21</a:t>
+              <a:t>3/13/21</a:t>
             </a:fld>
             <a:endParaRPr lang="en-US" dirty="0"/>
           </a:p>
@@ -3243,7 +3243,7 @@
           <a:ln/>
           <a:extLst>
             <a:ext uri="{91240B29-F687-4f45-9708-019B960494DF}">
-              <a14:hiddenLine xmlns:a14="http://schemas.microsoft.com/office/drawing/2010/main" xmlns="" w="9525">
+              <a14:hiddenLine xmlns="" xmlns:a14="http://schemas.microsoft.com/office/drawing/2010/main" w="9525">
                 <a:solidFill>
                   <a:srgbClr val="000000"/>
                 </a:solidFill>
@@ -3566,7 +3566,7 @@
             <a:fld id="{02640F58-564D-2B4F-AE67-E407BA4FCF45}" type="datetimeFigureOut">
               <a:rPr lang="en-US" dirty="0"/>
               <a:pPr/>
-              <a:t>3/12/21</a:t>
+              <a:t>3/13/21</a:t>
             </a:fld>
             <a:endParaRPr lang="en-US" dirty="0"/>
           </a:p>
@@ -3717,7 +3717,7 @@
           <a:ln/>
           <a:extLst>
             <a:ext uri="{91240B29-F687-4f45-9708-019B960494DF}">
-              <a14:hiddenLine xmlns:a14="http://schemas.microsoft.com/office/drawing/2010/main" xmlns="" w="9525">
+              <a14:hiddenLine xmlns="" xmlns:a14="http://schemas.microsoft.com/office/drawing/2010/main" w="9525">
                 <a:solidFill>
                   <a:srgbClr val="000000"/>
                 </a:solidFill>
@@ -3784,7 +3784,7 @@
             <a:fld id="{F13A34C8-038E-2045-AF43-DF7DBB8E0E9E}" type="datetimeFigureOut">
               <a:rPr lang="en-US" dirty="0"/>
               <a:pPr/>
-              <a:t>3/12/21</a:t>
+              <a:t>3/13/21</a:t>
             </a:fld>
             <a:endParaRPr lang="en-US" dirty="0"/>
           </a:p>
@@ -3876,7 +3876,7 @@
             <a:fld id="{8818C68F-D26B-8F47-958C-23B49CF8A634}" type="datetimeFigureOut">
               <a:rPr lang="en-US" dirty="0"/>
               <a:pPr/>
-              <a:t>3/12/21</a:t>
+              <a:t>3/13/21</a:t>
             </a:fld>
             <a:endParaRPr lang="en-US" dirty="0"/>
           </a:p>
@@ -4140,7 +4140,7 @@
           <a:ln/>
           <a:extLst>
             <a:ext uri="{91240B29-F687-4f45-9708-019B960494DF}">
-              <a14:hiddenLine xmlns:a14="http://schemas.microsoft.com/office/drawing/2010/main" xmlns="" w="9525">
+              <a14:hiddenLine xmlns="" xmlns:a14="http://schemas.microsoft.com/office/drawing/2010/main" w="9525">
                 <a:solidFill>
                   <a:srgbClr val="000000"/>
                 </a:solidFill>
@@ -4340,7 +4340,7 @@
             <a:fld id="{D0DF5E60-9974-AC48-9591-99C2BB44B7CF}" type="datetimeFigureOut">
               <a:rPr lang="en-US" dirty="0"/>
               <a:pPr/>
-              <a:t>3/12/21</a:t>
+              <a:t>3/13/21</a:t>
             </a:fld>
             <a:endParaRPr lang="en-US" dirty="0"/>
           </a:p>
@@ -4650,7 +4650,7 @@
             <a:fld id="{18C79C5D-2A6F-F04D-97DA-BEF2467B64E4}" type="datetimeFigureOut">
               <a:rPr lang="en-US" dirty="0"/>
               <a:pPr/>
-              <a:t>3/12/21</a:t>
+              <a:t>3/13/21</a:t>
             </a:fld>
             <a:endParaRPr lang="en-US" dirty="0"/>
           </a:p>
@@ -4917,7 +4917,7 @@
             <a:fld id="{09B482E8-6E0E-1B4F-B1FD-C69DB9E858D9}" type="datetimeFigureOut">
               <a:rPr lang="en-US" dirty="0"/>
               <a:pPr/>
-              <a:t>3/12/21</a:t>
+              <a:t>3/13/21</a:t>
             </a:fld>
             <a:endParaRPr lang="en-US" dirty="0"/>
           </a:p>
@@ -5565,7 +5565,7 @@
           <a:p>
             <a:r>
               <a:rPr lang="en-US" sz="1600" dirty="0"/>
-              <a:t>It appears the review data is just the average. </a:t>
+              <a:t>It appears the review data is just the average review and not categorized. </a:t>
             </a:r>
           </a:p>
           <a:p>
@@ -7995,7 +7995,7 @@
         </p:nvSpPr>
         <p:spPr>
           <a:xfrm>
-            <a:off x="4460866" y="2019300"/>
+            <a:off x="482199" y="2158525"/>
             <a:ext cx="6912420" cy="2390776"/>
           </a:xfrm>
         </p:spPr>
@@ -8646,7 +8646,7 @@
             </a:r>
             <a:r>
               <a:rPr lang="en-US" dirty="0" err="1"/>
-              <a:t>ect</a:t>
+              <a:t>etc</a:t>
             </a:r>
             <a:r>
               <a:rPr lang="en-US" dirty="0"/>
@@ -9042,7 +9042,39 @@
             <a:pPr lvl="1"/>
             <a:r>
               <a:rPr lang="en-US" dirty="0"/>
-              <a:t>Skyscanner</a:t>
+              <a:t>Skyscanner (https://</a:t>
+            </a:r>
+            <a:r>
+              <a:rPr lang="en-US" dirty="0" err="1"/>
+              <a:t>rapidapi.com</a:t>
+            </a:r>
+            <a:r>
+              <a:rPr lang="en-US" dirty="0"/>
+              <a:t>/</a:t>
+            </a:r>
+            <a:r>
+              <a:rPr lang="en-US" dirty="0" err="1"/>
+              <a:t>skyscanner</a:t>
+            </a:r>
+            <a:r>
+              <a:rPr lang="en-US" dirty="0"/>
+              <a:t>/</a:t>
+            </a:r>
+            <a:r>
+              <a:rPr lang="en-US" dirty="0" err="1"/>
+              <a:t>api</a:t>
+            </a:r>
+            <a:r>
+              <a:rPr lang="en-US" dirty="0"/>
+              <a:t>/</a:t>
+            </a:r>
+            <a:r>
+              <a:rPr lang="en-US" dirty="0" err="1"/>
+              <a:t>skyscanner</a:t>
+            </a:r>
+            <a:r>
+              <a:rPr lang="en-US" dirty="0"/>
+              <a:t>-flight-search)</a:t>
             </a:r>
           </a:p>
           <a:p>
@@ -9662,7 +9694,7 @@
             </a:r>
             <a:r>
               <a:rPr lang="en-US" dirty="0"/>
-              <a:t> (flight</a:t>
+              <a:t> (flight)</a:t>
             </a:r>
           </a:p>
           <a:p>
@@ -10141,7 +10173,7 @@
           <a:p>
             <a:r>
               <a:rPr lang="en-US" dirty="0"/>
-              <a:t>Weather analysis creates outliers based on v location, i.e. Alaska vs Florida</a:t>
+              <a:t>Weather analysis creates outliers based on location, i.e. Alaska vs Florida</a:t>
             </a:r>
           </a:p>
           <a:p>
